--- a/PIP4004-Internship_Review-1.pptx
+++ b/PIP4004-Internship_Review-1.pptx
@@ -11882,7 +11882,13 @@
       </p:sp>
       <p:sp>
         <p:nvSpPr>
-          <p:cNvPr id="3" name="Content Placeholder 2"/>
+          <p:cNvPr id="5" name="Content Placeholder 2">
+            <a:extLst>
+              <a:ext uri="{FF2B5EF4-FFF2-40B4-BE49-F238E27FC236}">
+                <a16:creationId xmlns:a16="http://schemas.microsoft.com/office/drawing/2014/main" id="{C48C930E-EB8F-4F2A-B52F-43D76A621496}"/>
+              </a:ext>
+            </a:extLst>
+          </p:cNvPr>
           <p:cNvSpPr>
             <a:spLocks noGrp="1"/>
           </p:cNvSpPr>
@@ -11892,17 +11898,26 @@
         </p:nvSpPr>
         <p:spPr>
           <a:xfrm>
-            <a:off x="1725104" y="2271859"/>
-            <a:ext cx="9236803" cy="3140775"/>
+            <a:off x="1073837" y="1993627"/>
+            <a:ext cx="10515600" cy="1135056"/>
           </a:xfrm>
         </p:spPr>
         <p:txBody>
           <a:bodyPr/>
           <a:lstStyle/>
           <a:p>
+            <a:pPr marL="0" indent="0">
+              <a:buNone/>
+            </a:pPr>
+            <a:r>
+              <a:rPr lang="en-US" dirty="0">
+                <a:hlinkClick r:id="rId2"/>
+              </a:rPr>
+              <a:t>https://github.com/Nithinkumar1123/8th_Sem_Intenship_report</a:t>
+            </a:r>
             <a:r>
               <a:rPr lang="en-US" dirty="0"/>
-              <a:t>https://github.com/SHRUTHI568/SHRUTHI568</a:t>
+              <a:t> </a:t>
             </a:r>
           </a:p>
         </p:txBody>
